--- a/lectures/act1_key.pptx
+++ b/lectures/act1_key.pptx
@@ -112,6 +112,11 @@
       </a:defRPr>
     </a:lvl9pPr>
   </p:defaultTextStyle>
+  <p:extLst>
+    <p:ext uri="{EFAFB233-063F-42B5-8137-9DF3F51BA10A}">
+      <p15:sldGuideLst xmlns:p15="http://schemas.microsoft.com/office/powerpoint/2012/main"/>
+    </p:ext>
+  </p:extLst>
 </p:presentation>
 </file>
 
@@ -197,7 +202,7 @@
           <a:p>
             <a:fld id="{1130E1E6-6487-4B4B-B7BE-E6C5383E5CCC}" type="datetimeFigureOut">
               <a:rPr lang="en-US" smtClean="0"/>
-              <a:t>9/14/21</a:t>
+              <a:t>9/15/21</a:t>
             </a:fld>
             <a:endParaRPr lang="en-US"/>
           </a:p>
@@ -1116,7 +1121,7 @@
           <a:p>
             <a:fld id="{6B4570E9-6CD1-E24C-AB9C-CE1EBCBEE29C}" type="datetimeFigureOut">
               <a:rPr lang="en-US" smtClean="0"/>
-              <a:t>9/14/21</a:t>
+              <a:t>9/15/21</a:t>
             </a:fld>
             <a:endParaRPr lang="en-US"/>
           </a:p>
@@ -1314,7 +1319,7 @@
           <a:p>
             <a:fld id="{6B4570E9-6CD1-E24C-AB9C-CE1EBCBEE29C}" type="datetimeFigureOut">
               <a:rPr lang="en-US" smtClean="0"/>
-              <a:t>9/14/21</a:t>
+              <a:t>9/15/21</a:t>
             </a:fld>
             <a:endParaRPr lang="en-US"/>
           </a:p>
@@ -1522,7 +1527,7 @@
           <a:p>
             <a:fld id="{6B4570E9-6CD1-E24C-AB9C-CE1EBCBEE29C}" type="datetimeFigureOut">
               <a:rPr lang="en-US" smtClean="0"/>
-              <a:t>9/14/21</a:t>
+              <a:t>9/15/21</a:t>
             </a:fld>
             <a:endParaRPr lang="en-US"/>
           </a:p>
@@ -1720,7 +1725,7 @@
           <a:p>
             <a:fld id="{6B4570E9-6CD1-E24C-AB9C-CE1EBCBEE29C}" type="datetimeFigureOut">
               <a:rPr lang="en-US" smtClean="0"/>
-              <a:t>9/14/21</a:t>
+              <a:t>9/15/21</a:t>
             </a:fld>
             <a:endParaRPr lang="en-US"/>
           </a:p>
@@ -1995,7 +2000,7 @@
           <a:p>
             <a:fld id="{6B4570E9-6CD1-E24C-AB9C-CE1EBCBEE29C}" type="datetimeFigureOut">
               <a:rPr lang="en-US" smtClean="0"/>
-              <a:t>9/14/21</a:t>
+              <a:t>9/15/21</a:t>
             </a:fld>
             <a:endParaRPr lang="en-US"/>
           </a:p>
@@ -2260,7 +2265,7 @@
           <a:p>
             <a:fld id="{6B4570E9-6CD1-E24C-AB9C-CE1EBCBEE29C}" type="datetimeFigureOut">
               <a:rPr lang="en-US" smtClean="0"/>
-              <a:t>9/14/21</a:t>
+              <a:t>9/15/21</a:t>
             </a:fld>
             <a:endParaRPr lang="en-US"/>
           </a:p>
@@ -2672,7 +2677,7 @@
           <a:p>
             <a:fld id="{6B4570E9-6CD1-E24C-AB9C-CE1EBCBEE29C}" type="datetimeFigureOut">
               <a:rPr lang="en-US" smtClean="0"/>
-              <a:t>9/14/21</a:t>
+              <a:t>9/15/21</a:t>
             </a:fld>
             <a:endParaRPr lang="en-US"/>
           </a:p>
@@ -2813,7 +2818,7 @@
           <a:p>
             <a:fld id="{6B4570E9-6CD1-E24C-AB9C-CE1EBCBEE29C}" type="datetimeFigureOut">
               <a:rPr lang="en-US" smtClean="0"/>
-              <a:t>9/14/21</a:t>
+              <a:t>9/15/21</a:t>
             </a:fld>
             <a:endParaRPr lang="en-US"/>
           </a:p>
@@ -2926,7 +2931,7 @@
           <a:p>
             <a:fld id="{6B4570E9-6CD1-E24C-AB9C-CE1EBCBEE29C}" type="datetimeFigureOut">
               <a:rPr lang="en-US" smtClean="0"/>
-              <a:t>9/14/21</a:t>
+              <a:t>9/15/21</a:t>
             </a:fld>
             <a:endParaRPr lang="en-US"/>
           </a:p>
@@ -3237,7 +3242,7 @@
           <a:p>
             <a:fld id="{6B4570E9-6CD1-E24C-AB9C-CE1EBCBEE29C}" type="datetimeFigureOut">
               <a:rPr lang="en-US" smtClean="0"/>
-              <a:t>9/14/21</a:t>
+              <a:t>9/15/21</a:t>
             </a:fld>
             <a:endParaRPr lang="en-US"/>
           </a:p>
@@ -3525,7 +3530,7 @@
           <a:p>
             <a:fld id="{6B4570E9-6CD1-E24C-AB9C-CE1EBCBEE29C}" type="datetimeFigureOut">
               <a:rPr lang="en-US" smtClean="0"/>
-              <a:t>9/14/21</a:t>
+              <a:t>9/15/21</a:t>
             </a:fld>
             <a:endParaRPr lang="en-US"/>
           </a:p>
@@ -3766,7 +3771,7 @@
           <a:p>
             <a:fld id="{6B4570E9-6CD1-E24C-AB9C-CE1EBCBEE29C}" type="datetimeFigureOut">
               <a:rPr lang="en-US" smtClean="0"/>
-              <a:t>9/14/21</a:t>
+              <a:t>9/15/21</a:t>
             </a:fld>
             <a:endParaRPr lang="en-US"/>
           </a:p>
@@ -4626,8 +4631,8 @@
           </p:sp>
         </mc:Fallback>
       </mc:AlternateContent>
-      <mc:AlternateContent xmlns:mc="http://schemas.openxmlformats.org/markup-compatibility/2006" xmlns:a14="http://schemas.microsoft.com/office/drawing/2010/main">
-        <mc:Choice Requires="a14">
+      <mc:AlternateContent xmlns:mc="http://schemas.openxmlformats.org/markup-compatibility/2006">
+        <mc:Choice xmlns:a14="http://schemas.microsoft.com/office/drawing/2010/main" Requires="a14">
           <p:sp>
             <p:nvSpPr>
               <p:cNvPr id="33" name="Content Placeholder 2">
@@ -4700,14 +4705,33 @@
                       </a:rPr>
                       <m:t>(</m:t>
                     </m:r>
+                    <m:sSup>
+                      <m:sSupPr>
+                        <m:ctrlPr>
+                          <a:rPr lang="en-US" b="1" i="1" dirty="0" smtClean="0">
+                            <a:latin typeface="Cambria Math" panose="02040503050406030204" pitchFamily="18" charset="0"/>
+                          </a:rPr>
+                        </m:ctrlPr>
+                      </m:sSupPr>
+                      <m:e>
+                        <m:r>
+                          <a:rPr lang="en-US" b="1" i="1" dirty="0" smtClean="0">
+                            <a:latin typeface="Cambria Math" panose="02040503050406030204" pitchFamily="18" charset="0"/>
+                          </a:rPr>
+                          <m:t>𝒘</m:t>
+                        </m:r>
+                      </m:e>
+                      <m:sup>
+                        <m:r>
+                          <a:rPr lang="en-US" b="0" i="1" dirty="0" smtClean="0">
+                            <a:latin typeface="Cambria Math" panose="02040503050406030204" pitchFamily="18" charset="0"/>
+                          </a:rPr>
+                          <m:t>𝑇</m:t>
+                        </m:r>
+                      </m:sup>
+                    </m:sSup>
                     <m:r>
-                      <a:rPr lang="en-US" i="1" dirty="0" err="1" smtClean="0">
-                        <a:latin typeface="Cambria Math" panose="02040503050406030204" pitchFamily="18" charset="0"/>
-                      </a:rPr>
-                      <m:t>𝑊</m:t>
-                    </m:r>
-                    <m:r>
-                      <a:rPr lang="en-US" b="1" i="1" dirty="0" err="1" smtClean="0">
+                      <a:rPr lang="en-US" b="1" i="1" dirty="0" smtClean="0">
                         <a:latin typeface="Cambria Math" panose="02040503050406030204" pitchFamily="18" charset="0"/>
                       </a:rPr>
                       <m:t>𝒙</m:t>
@@ -4719,10 +4743,10 @@
                       <m:t>+</m:t>
                     </m:r>
                     <m:r>
-                      <a:rPr lang="en-US" b="1" i="1" dirty="0" err="1" smtClean="0">
+                      <a:rPr lang="en-US" b="0" i="1" dirty="0" err="1" smtClean="0">
                         <a:latin typeface="Cambria Math" panose="02040503050406030204" pitchFamily="18" charset="0"/>
                       </a:rPr>
-                      <m:t>𝒃</m:t>
+                      <m:t>𝑏</m:t>
                     </m:r>
                     <m:r>
                       <a:rPr lang="en-US" i="1" dirty="0" smtClean="0">
@@ -4734,10 +4758,122 @@
                 </a14:m>
                 <a:endParaRPr lang="en-US" dirty="0"/>
               </a:p>
+              <a:p>
+                <a:endParaRPr lang="en-US" dirty="0"/>
+              </a:p>
+              <a:p>
+                <a:r>
+                  <a:rPr lang="en-US" sz="1600" dirty="0"/>
+                  <a:t>Note that </a:t>
+                </a:r>
+                <a14:m>
+                  <m:oMath xmlns:m="http://schemas.openxmlformats.org/officeDocument/2006/math">
+                    <m:sSup>
+                      <m:sSupPr>
+                        <m:ctrlPr>
+                          <a:rPr lang="en-US" sz="1600" i="1" dirty="0" smtClean="0">
+                            <a:latin typeface="Cambria Math" panose="02040503050406030204" pitchFamily="18" charset="0"/>
+                          </a:rPr>
+                        </m:ctrlPr>
+                      </m:sSupPr>
+                      <m:e>
+                        <m:r>
+                          <a:rPr lang="en-US" sz="1600" b="1" i="1" dirty="0" smtClean="0">
+                            <a:latin typeface="Cambria Math" panose="02040503050406030204" pitchFamily="18" charset="0"/>
+                          </a:rPr>
+                          <m:t>𝒘</m:t>
+                        </m:r>
+                      </m:e>
+                      <m:sup>
+                        <m:r>
+                          <a:rPr lang="en-US" sz="1600" i="1" dirty="0" smtClean="0">
+                            <a:latin typeface="Cambria Math" panose="02040503050406030204" pitchFamily="18" charset="0"/>
+                          </a:rPr>
+                          <m:t>𝑇</m:t>
+                        </m:r>
+                      </m:sup>
+                    </m:sSup>
+                    <m:r>
+                      <a:rPr lang="en-US" sz="1600" b="1" i="1" dirty="0" err="1" smtClean="0">
+                        <a:latin typeface="Cambria Math" panose="02040503050406030204" pitchFamily="18" charset="0"/>
+                      </a:rPr>
+                      <m:t>𝒙</m:t>
+                    </m:r>
+                  </m:oMath>
+                </a14:m>
+                <a:r>
+                  <a:rPr lang="en-US" sz="1600" dirty="0"/>
+                  <a:t> is another way to write the inner product between the vectors </a:t>
+                </a:r>
+                <a:r>
+                  <a:rPr lang="en-US" sz="1600" b="1" i="1" dirty="0"/>
+                  <a:t>w</a:t>
+                </a:r>
+                <a:r>
+                  <a:rPr lang="en-US" sz="1600" dirty="0"/>
+                  <a:t> and </a:t>
+                </a:r>
+                <a:r>
+                  <a:rPr lang="en-US" sz="1600" b="1" i="1" dirty="0"/>
+                  <a:t>x</a:t>
+                </a:r>
+                <a:r>
+                  <a:rPr lang="en-US" sz="1600" i="1" dirty="0"/>
+                  <a:t>.</a:t>
+                </a:r>
+                <a:r>
+                  <a:rPr lang="en-US" sz="1600" b="1" i="1" dirty="0"/>
+                  <a:t> </a:t>
+                </a:r>
+                <a:r>
+                  <a:rPr lang="en-US" sz="1600" dirty="0"/>
+                  <a:t>The idea here is that we’re viewing </a:t>
+                </a:r>
+                <a:r>
+                  <a:rPr lang="en-US" sz="1600" b="1" i="1" dirty="0"/>
+                  <a:t>x </a:t>
+                </a:r>
+                <a:r>
+                  <a:rPr lang="en-US" sz="1600" dirty="0"/>
+                  <a:t>as a 3-by-1 matrix and </a:t>
+                </a:r>
+                <a14:m>
+                  <m:oMath xmlns:m="http://schemas.openxmlformats.org/officeDocument/2006/math">
+                    <m:r>
+                      <a:rPr lang="en-US" sz="1600" b="1" i="1" dirty="0" smtClean="0">
+                        <a:latin typeface="Cambria Math" panose="02040503050406030204" pitchFamily="18" charset="0"/>
+                      </a:rPr>
+                      <m:t>𝒘</m:t>
+                    </m:r>
+                    <m:r>
+                      <a:rPr lang="en-US" sz="1600" i="1" baseline="30000" dirty="0" err="1" smtClean="0">
+                        <a:latin typeface="Cambria Math" panose="02040503050406030204" pitchFamily="18" charset="0"/>
+                      </a:rPr>
+                      <m:t>𝑇</m:t>
+                    </m:r>
+                  </m:oMath>
+                </a14:m>
+                <a:r>
+                  <a:rPr lang="en-US" sz="1600" i="1" dirty="0"/>
+                  <a:t>, </a:t>
+                </a:r>
+                <a:r>
+                  <a:rPr lang="en-US" sz="1600" dirty="0"/>
+                  <a:t>the transpose of </a:t>
+                </a:r>
+                <a:r>
+                  <a:rPr lang="en-US" sz="1600" b="1" i="1" dirty="0"/>
+                  <a:t>w</a:t>
+                </a:r>
+                <a:r>
+                  <a:rPr lang="en-US" sz="1600" dirty="0"/>
+                  <a:t>, as a 1-by-3 matrix.</a:t>
+                </a:r>
+              </a:p>
             </p:txBody>
           </p:sp>
         </mc:Choice>
-        <mc:Fallback xmlns="">
+        <mc:Fallback>
           <p:sp>
             <p:nvSpPr>
               <p:cNvPr id="33" name="Content Placeholder 2">
@@ -4762,7 +4898,7 @@
               <a:blipFill>
                 <a:blip r:embed="rId4"/>
                 <a:stretch>
-                  <a:fillRect l="-2970" t="-1951"/>
+                  <a:fillRect l="-2970" t="-1951" r="-1650"/>
                 </a:stretch>
               </a:blipFill>
             </p:spPr>
@@ -5490,8 +5626,8 @@
           </p:sp>
         </mc:Fallback>
       </mc:AlternateContent>
-      <mc:AlternateContent xmlns:mc="http://schemas.openxmlformats.org/markup-compatibility/2006" xmlns:a14="http://schemas.microsoft.com/office/drawing/2010/main">
-        <mc:Choice Requires="a14">
+      <mc:AlternateContent xmlns:mc="http://schemas.openxmlformats.org/markup-compatibility/2006">
+        <mc:Choice xmlns:a14="http://schemas.microsoft.com/office/drawing/2010/main" Requires="a14">
           <p:sp>
             <p:nvSpPr>
               <p:cNvPr id="33" name="Content Placeholder 2">
@@ -5564,31 +5700,39 @@
                       </a:rPr>
                       <m:t>(</m:t>
                     </m:r>
-                    <m:sSub>
-                      <m:sSubPr>
+                    <m:sSubSup>
+                      <m:sSubSupPr>
                         <m:ctrlPr>
-                          <a:rPr lang="en-US" i="1" dirty="0" smtClean="0">
+                          <a:rPr lang="en-US" b="1" i="1" dirty="0" smtClean="0">
                             <a:latin typeface="Cambria Math" panose="02040503050406030204" pitchFamily="18" charset="0"/>
                           </a:rPr>
                         </m:ctrlPr>
-                      </m:sSubPr>
+                      </m:sSubSupPr>
                       <m:e>
                         <m:r>
-                          <a:rPr lang="en-US" i="1" dirty="0" smtClean="0">
+                          <a:rPr lang="en-US" b="1" i="1" dirty="0">
                             <a:latin typeface="Cambria Math" panose="02040503050406030204" pitchFamily="18" charset="0"/>
                           </a:rPr>
-                          <m:t>𝑊</m:t>
+                          <m:t>𝒘</m:t>
                         </m:r>
                       </m:e>
                       <m:sub>
                         <m:r>
-                          <a:rPr lang="en-US" i="1" dirty="0" smtClean="0">
+                          <a:rPr lang="en-US" b="0" i="1" dirty="0" smtClean="0">
                             <a:latin typeface="Cambria Math" panose="02040503050406030204" pitchFamily="18" charset="0"/>
                           </a:rPr>
                           <m:t>2</m:t>
                         </m:r>
                       </m:sub>
-                    </m:sSub>
+                      <m:sup>
+                        <m:r>
+                          <a:rPr lang="en-US" i="1" dirty="0">
+                            <a:latin typeface="Cambria Math" panose="02040503050406030204" pitchFamily="18" charset="0"/>
+                          </a:rPr>
+                          <m:t>𝑇</m:t>
+                        </m:r>
+                      </m:sup>
+                    </m:sSubSup>
                     <m:r>
                       <a:rPr lang="en-US" b="0" i="1" dirty="0" smtClean="0">
                         <a:latin typeface="Cambria Math" panose="02040503050406030204" pitchFamily="18" charset="0"/>
@@ -5685,10 +5829,10 @@
                       </m:sSubPr>
                       <m:e>
                         <m:r>
-                          <a:rPr lang="en-US" b="1" i="1" dirty="0" smtClean="0">
+                          <a:rPr lang="en-US" b="0" i="1" dirty="0" smtClean="0">
                             <a:latin typeface="Cambria Math" panose="02040503050406030204" pitchFamily="18" charset="0"/>
                           </a:rPr>
-                          <m:t>𝒃</m:t>
+                          <m:t>𝑏</m:t>
                         </m:r>
                       </m:e>
                       <m:sub>
@@ -5713,7 +5857,7 @@
             </p:txBody>
           </p:sp>
         </mc:Choice>
-        <mc:Fallback xmlns="">
+        <mc:Fallback>
           <p:sp>
             <p:nvSpPr>
               <p:cNvPr id="33" name="Content Placeholder 2">
@@ -9245,8 +9389,8 @@
           </p:sp>
         </mc:Fallback>
       </mc:AlternateContent>
-      <mc:AlternateContent xmlns:mc="http://schemas.openxmlformats.org/markup-compatibility/2006" xmlns:a14="http://schemas.microsoft.com/office/drawing/2010/main">
-        <mc:Choice Requires="a14">
+      <mc:AlternateContent xmlns:mc="http://schemas.openxmlformats.org/markup-compatibility/2006">
+        <mc:Choice xmlns:a14="http://schemas.microsoft.com/office/drawing/2010/main" Requires="a14">
           <p:sp>
             <p:nvSpPr>
               <p:cNvPr id="39" name="Content Placeholder 2">
@@ -9483,20 +9627,20 @@
                       </a:rPr>
                       <m:t>(</m:t>
                     </m:r>
-                    <m:sSub>
-                      <m:sSubPr>
+                    <m:sSubSup>
+                      <m:sSubSupPr>
                         <m:ctrlPr>
-                          <a:rPr lang="en-US" sz="2000" b="0" i="1" dirty="0" smtClean="0">
+                          <a:rPr lang="en-US" sz="2000" b="1" i="1" dirty="0" smtClean="0">
                             <a:latin typeface="Cambria Math" panose="02040503050406030204" pitchFamily="18" charset="0"/>
                           </a:rPr>
                         </m:ctrlPr>
-                      </m:sSubPr>
+                      </m:sSubSupPr>
                       <m:e>
                         <m:r>
-                          <a:rPr lang="en-US" sz="2000" b="0" i="1" dirty="0" smtClean="0">
+                          <a:rPr lang="en-US" sz="2000" b="1" i="1" dirty="0">
                             <a:latin typeface="Cambria Math" panose="02040503050406030204" pitchFamily="18" charset="0"/>
                           </a:rPr>
-                          <m:t>𝑊</m:t>
+                          <m:t>𝒘</m:t>
                         </m:r>
                       </m:e>
                       <m:sub>
@@ -9507,7 +9651,15 @@
                           <m:t>3</m:t>
                         </m:r>
                       </m:sub>
-                    </m:sSub>
+                      <m:sup>
+                        <m:r>
+                          <a:rPr lang="en-US" sz="2000" i="1" dirty="0">
+                            <a:latin typeface="Cambria Math" panose="02040503050406030204" pitchFamily="18" charset="0"/>
+                          </a:rPr>
+                          <m:t>𝑇</m:t>
+                        </m:r>
+                      </m:sup>
+                    </m:sSubSup>
                     <m:r>
                       <a:rPr lang="en-US" sz="2000" b="0" i="1" dirty="0" smtClean="0">
                         <a:latin typeface="Cambria Math" panose="02040503050406030204" pitchFamily="18" charset="0"/>
@@ -9688,10 +9840,10 @@
                       </m:sSubPr>
                       <m:e>
                         <m:r>
-                          <a:rPr lang="en-US" sz="2000" b="1" i="1" dirty="0" smtClean="0">
+                          <a:rPr lang="en-US" sz="2000" b="0" i="1" dirty="0" smtClean="0">
                             <a:latin typeface="Cambria Math" panose="02040503050406030204" pitchFamily="18" charset="0"/>
                           </a:rPr>
-                          <m:t>𝒃</m:t>
+                          <m:t>𝑏</m:t>
                         </m:r>
                       </m:e>
                       <m:sub>
@@ -9716,7 +9868,7 @@
             </p:txBody>
           </p:sp>
         </mc:Choice>
-        <mc:Fallback xmlns="">
+        <mc:Fallback>
           <p:sp>
             <p:nvSpPr>
               <p:cNvPr id="39" name="Content Placeholder 2">
